--- a/sample.pptx
+++ b/sample.pptx
@@ -106,6 +106,11 @@
       </a:defRPr>
     </a:lvl9pPr>
   </p:defaultTextStyle>
+  <p:extLst>
+    <p:ext uri="{EFAFB233-063F-42B5-8137-9DF3F51BA10A}">
+      <p15:sldGuideLst xmlns:p15="http://schemas.microsoft.com/office/powerpoint/2012/main"/>
+    </p:ext>
+  </p:extLst>
 </p:presentation>
 </file>
 
@@ -154,7 +159,7 @@
           </a:lstStyle>
           <a:p>
             <a:r>
-              <a:rPr lang="zh-TW" altLang="en-US" smtClean="0"/>
+              <a:rPr lang="zh-TW" altLang="en-US"/>
               <a:t>按一下以編輯母片標題樣式</a:t>
             </a:r>
             <a:endParaRPr lang="en-US" dirty="0"/>
@@ -222,7 +227,7 @@
           </a:lstStyle>
           <a:p>
             <a:r>
-              <a:rPr lang="zh-TW" altLang="en-US" smtClean="0"/>
+              <a:rPr lang="zh-TW" altLang="en-US"/>
               <a:t>按一下以編輯母片副標題樣式</a:t>
             </a:r>
             <a:endParaRPr lang="en-US" dirty="0"/>
@@ -246,7 +251,7 @@
           <a:p>
             <a:fld id="{D06915D0-C156-4E50-BB29-93FD4A7023AE}" type="datetimeFigureOut">
               <a:rPr lang="zh-TW" altLang="en-US" smtClean="0"/>
-              <a:t>2019/3/16</a:t>
+              <a:t>2019/7/23</a:t>
             </a:fld>
             <a:endParaRPr lang="zh-TW" altLang="en-US"/>
           </a:p>
@@ -304,13 +309,6 @@
   <p:clrMapOvr>
     <a:masterClrMapping/>
   </p:clrMapOvr>
-  <p:timing>
-    <p:tnLst>
-      <p:par>
-        <p:cTn id="1" dur="indefinite" restart="never" nodeType="tmRoot"/>
-      </p:par>
-    </p:tnLst>
-  </p:timing>
 </p:sldLayout>
 </file>
 
@@ -347,7 +345,7 @@
           <a:lstStyle/>
           <a:p>
             <a:r>
-              <a:rPr lang="zh-TW" altLang="en-US" smtClean="0"/>
+              <a:rPr lang="zh-TW" altLang="en-US"/>
               <a:t>按一下以編輯母片標題樣式</a:t>
             </a:r>
             <a:endParaRPr lang="en-US" dirty="0"/>
@@ -371,35 +369,35 @@
           <a:p>
             <a:pPr lvl="0"/>
             <a:r>
-              <a:rPr lang="zh-TW" altLang="en-US" smtClean="0"/>
+              <a:rPr lang="zh-TW" altLang="en-US"/>
               <a:t>編輯母片文字樣式</a:t>
             </a:r>
           </a:p>
           <a:p>
             <a:pPr lvl="1"/>
             <a:r>
-              <a:rPr lang="zh-TW" altLang="en-US" smtClean="0"/>
+              <a:rPr lang="zh-TW" altLang="en-US"/>
               <a:t>第二層</a:t>
             </a:r>
           </a:p>
           <a:p>
             <a:pPr lvl="2"/>
             <a:r>
-              <a:rPr lang="zh-TW" altLang="en-US" smtClean="0"/>
+              <a:rPr lang="zh-TW" altLang="en-US"/>
               <a:t>第三層</a:t>
             </a:r>
           </a:p>
           <a:p>
             <a:pPr lvl="3"/>
             <a:r>
-              <a:rPr lang="zh-TW" altLang="en-US" smtClean="0"/>
+              <a:rPr lang="zh-TW" altLang="en-US"/>
               <a:t>第四層</a:t>
             </a:r>
           </a:p>
           <a:p>
             <a:pPr lvl="4"/>
             <a:r>
-              <a:rPr lang="zh-TW" altLang="en-US" smtClean="0"/>
+              <a:rPr lang="zh-TW" altLang="en-US"/>
               <a:t>第五層</a:t>
             </a:r>
             <a:endParaRPr lang="en-US" dirty="0"/>
@@ -423,7 +421,7 @@
           <a:p>
             <a:fld id="{D06915D0-C156-4E50-BB29-93FD4A7023AE}" type="datetimeFigureOut">
               <a:rPr lang="zh-TW" altLang="en-US" smtClean="0"/>
-              <a:t>2019/3/16</a:t>
+              <a:t>2019/7/23</a:t>
             </a:fld>
             <a:endParaRPr lang="zh-TW" altLang="en-US"/>
           </a:p>
@@ -522,7 +520,7 @@
           <a:lstStyle/>
           <a:p>
             <a:r>
-              <a:rPr lang="zh-TW" altLang="en-US" smtClean="0"/>
+              <a:rPr lang="zh-TW" altLang="en-US"/>
               <a:t>按一下以編輯母片標題樣式</a:t>
             </a:r>
             <a:endParaRPr lang="en-US" dirty="0"/>
@@ -551,35 +549,35 @@
           <a:p>
             <a:pPr lvl="0"/>
             <a:r>
-              <a:rPr lang="zh-TW" altLang="en-US" smtClean="0"/>
+              <a:rPr lang="zh-TW" altLang="en-US"/>
               <a:t>編輯母片文字樣式</a:t>
             </a:r>
           </a:p>
           <a:p>
             <a:pPr lvl="1"/>
             <a:r>
-              <a:rPr lang="zh-TW" altLang="en-US" smtClean="0"/>
+              <a:rPr lang="zh-TW" altLang="en-US"/>
               <a:t>第二層</a:t>
             </a:r>
           </a:p>
           <a:p>
             <a:pPr lvl="2"/>
             <a:r>
-              <a:rPr lang="zh-TW" altLang="en-US" smtClean="0"/>
+              <a:rPr lang="zh-TW" altLang="en-US"/>
               <a:t>第三層</a:t>
             </a:r>
           </a:p>
           <a:p>
             <a:pPr lvl="3"/>
             <a:r>
-              <a:rPr lang="zh-TW" altLang="en-US" smtClean="0"/>
+              <a:rPr lang="zh-TW" altLang="en-US"/>
               <a:t>第四層</a:t>
             </a:r>
           </a:p>
           <a:p>
             <a:pPr lvl="4"/>
             <a:r>
-              <a:rPr lang="zh-TW" altLang="en-US" smtClean="0"/>
+              <a:rPr lang="zh-TW" altLang="en-US"/>
               <a:t>第五層</a:t>
             </a:r>
             <a:endParaRPr lang="en-US" dirty="0"/>
@@ -603,7 +601,7 @@
           <a:p>
             <a:fld id="{D06915D0-C156-4E50-BB29-93FD4A7023AE}" type="datetimeFigureOut">
               <a:rPr lang="zh-TW" altLang="en-US" smtClean="0"/>
-              <a:t>2019/3/16</a:t>
+              <a:t>2019/7/23</a:t>
             </a:fld>
             <a:endParaRPr lang="zh-TW" altLang="en-US"/>
           </a:p>
@@ -704,7 +702,7 @@
           </a:lstStyle>
           <a:p>
             <a:r>
-              <a:rPr lang="zh-TW" altLang="en-US" smtClean="0"/>
+              <a:rPr lang="zh-TW" altLang="en-US"/>
               <a:t>按一下以編輯母片標題樣式</a:t>
             </a:r>
             <a:endParaRPr lang="en-US" dirty="0"/>
@@ -759,35 +757,35 @@
           <a:p>
             <a:pPr lvl="0"/>
             <a:r>
-              <a:rPr lang="zh-TW" altLang="en-US" dirty="0" smtClean="0"/>
+              <a:rPr lang="zh-TW" altLang="en-US" dirty="0"/>
               <a:t>編輯母片文字樣式</a:t>
             </a:r>
           </a:p>
           <a:p>
             <a:pPr lvl="1"/>
             <a:r>
-              <a:rPr lang="zh-TW" altLang="en-US" dirty="0" smtClean="0"/>
+              <a:rPr lang="zh-TW" altLang="en-US" dirty="0"/>
               <a:t>第二層</a:t>
             </a:r>
           </a:p>
           <a:p>
             <a:pPr lvl="2"/>
             <a:r>
-              <a:rPr lang="zh-TW" altLang="en-US" dirty="0" smtClean="0"/>
+              <a:rPr lang="zh-TW" altLang="en-US" dirty="0"/>
               <a:t>第三層</a:t>
             </a:r>
           </a:p>
           <a:p>
             <a:pPr lvl="3"/>
             <a:r>
-              <a:rPr lang="zh-TW" altLang="en-US" dirty="0" smtClean="0"/>
+              <a:rPr lang="zh-TW" altLang="en-US" dirty="0"/>
               <a:t>第四層</a:t>
             </a:r>
           </a:p>
           <a:p>
             <a:pPr lvl="4"/>
             <a:r>
-              <a:rPr lang="zh-TW" altLang="en-US" dirty="0" smtClean="0"/>
+              <a:rPr lang="zh-TW" altLang="en-US" dirty="0"/>
               <a:t>第五層</a:t>
             </a:r>
             <a:endParaRPr lang="en-US" dirty="0"/>
@@ -811,7 +809,7 @@
           <a:p>
             <a:fld id="{D06915D0-C156-4E50-BB29-93FD4A7023AE}" type="datetimeFigureOut">
               <a:rPr lang="zh-TW" altLang="en-US" smtClean="0"/>
-              <a:t>2019/3/16</a:t>
+              <a:t>2019/7/23</a:t>
             </a:fld>
             <a:endParaRPr lang="zh-TW" altLang="en-US"/>
           </a:p>
@@ -869,13 +867,6 @@
   <p:clrMapOvr>
     <a:masterClrMapping/>
   </p:clrMapOvr>
-  <p:timing>
-    <p:tnLst>
-      <p:par>
-        <p:cTn id="1" dur="indefinite" restart="never" nodeType="tmRoot"/>
-      </p:par>
-    </p:tnLst>
-  </p:timing>
 </p:sldLayout>
 </file>
 
@@ -921,7 +912,7 @@
           </a:lstStyle>
           <a:p>
             <a:r>
-              <a:rPr lang="zh-TW" altLang="en-US" smtClean="0"/>
+              <a:rPr lang="zh-TW" altLang="en-US"/>
               <a:t>按一下以編輯母片標題樣式</a:t>
             </a:r>
             <a:endParaRPr lang="en-US" dirty="0"/>
@@ -1039,7 +1030,7 @@
           <a:p>
             <a:pPr lvl="0"/>
             <a:r>
-              <a:rPr lang="zh-TW" altLang="en-US" smtClean="0"/>
+              <a:rPr lang="zh-TW" altLang="en-US"/>
               <a:t>編輯母片文字樣式</a:t>
             </a:r>
           </a:p>
@@ -1062,7 +1053,7 @@
           <a:p>
             <a:fld id="{D06915D0-C156-4E50-BB29-93FD4A7023AE}" type="datetimeFigureOut">
               <a:rPr lang="zh-TW" altLang="en-US" smtClean="0"/>
-              <a:t>2019/3/16</a:t>
+              <a:t>2019/7/23</a:t>
             </a:fld>
             <a:endParaRPr lang="zh-TW" altLang="en-US"/>
           </a:p>
@@ -1120,13 +1111,6 @@
   <p:clrMapOvr>
     <a:masterClrMapping/>
   </p:clrMapOvr>
-  <p:timing>
-    <p:tnLst>
-      <p:par>
-        <p:cTn id="1" dur="indefinite" restart="never" nodeType="tmRoot"/>
-      </p:par>
-    </p:tnLst>
-  </p:timing>
 </p:sldLayout>
 </file>
 
@@ -1163,7 +1147,7 @@
           <a:lstStyle/>
           <a:p>
             <a:r>
-              <a:rPr lang="zh-TW" altLang="en-US" smtClean="0"/>
+              <a:rPr lang="zh-TW" altLang="en-US"/>
               <a:t>按一下以編輯母片標題樣式</a:t>
             </a:r>
             <a:endParaRPr lang="en-US" dirty="0"/>
@@ -1192,35 +1176,35 @@
           <a:p>
             <a:pPr lvl="0"/>
             <a:r>
-              <a:rPr lang="zh-TW" altLang="en-US" smtClean="0"/>
+              <a:rPr lang="zh-TW" altLang="en-US"/>
               <a:t>編輯母片文字樣式</a:t>
             </a:r>
           </a:p>
           <a:p>
             <a:pPr lvl="1"/>
             <a:r>
-              <a:rPr lang="zh-TW" altLang="en-US" smtClean="0"/>
+              <a:rPr lang="zh-TW" altLang="en-US"/>
               <a:t>第二層</a:t>
             </a:r>
           </a:p>
           <a:p>
             <a:pPr lvl="2"/>
             <a:r>
-              <a:rPr lang="zh-TW" altLang="en-US" smtClean="0"/>
+              <a:rPr lang="zh-TW" altLang="en-US"/>
               <a:t>第三層</a:t>
             </a:r>
           </a:p>
           <a:p>
             <a:pPr lvl="3"/>
             <a:r>
-              <a:rPr lang="zh-TW" altLang="en-US" smtClean="0"/>
+              <a:rPr lang="zh-TW" altLang="en-US"/>
               <a:t>第四層</a:t>
             </a:r>
           </a:p>
           <a:p>
             <a:pPr lvl="4"/>
             <a:r>
-              <a:rPr lang="zh-TW" altLang="en-US" smtClean="0"/>
+              <a:rPr lang="zh-TW" altLang="en-US"/>
               <a:t>第五層</a:t>
             </a:r>
             <a:endParaRPr lang="en-US" dirty="0"/>
@@ -1249,35 +1233,35 @@
           <a:p>
             <a:pPr lvl="0"/>
             <a:r>
-              <a:rPr lang="zh-TW" altLang="en-US" smtClean="0"/>
+              <a:rPr lang="zh-TW" altLang="en-US"/>
               <a:t>編輯母片文字樣式</a:t>
             </a:r>
           </a:p>
           <a:p>
             <a:pPr lvl="1"/>
             <a:r>
-              <a:rPr lang="zh-TW" altLang="en-US" smtClean="0"/>
+              <a:rPr lang="zh-TW" altLang="en-US"/>
               <a:t>第二層</a:t>
             </a:r>
           </a:p>
           <a:p>
             <a:pPr lvl="2"/>
             <a:r>
-              <a:rPr lang="zh-TW" altLang="en-US" smtClean="0"/>
+              <a:rPr lang="zh-TW" altLang="en-US"/>
               <a:t>第三層</a:t>
             </a:r>
           </a:p>
           <a:p>
             <a:pPr lvl="3"/>
             <a:r>
-              <a:rPr lang="zh-TW" altLang="en-US" smtClean="0"/>
+              <a:rPr lang="zh-TW" altLang="en-US"/>
               <a:t>第四層</a:t>
             </a:r>
           </a:p>
           <a:p>
             <a:pPr lvl="4"/>
             <a:r>
-              <a:rPr lang="zh-TW" altLang="en-US" smtClean="0"/>
+              <a:rPr lang="zh-TW" altLang="en-US"/>
               <a:t>第五層</a:t>
             </a:r>
             <a:endParaRPr lang="en-US" dirty="0"/>
@@ -1301,7 +1285,7 @@
           <a:p>
             <a:fld id="{D06915D0-C156-4E50-BB29-93FD4A7023AE}" type="datetimeFigureOut">
               <a:rPr lang="zh-TW" altLang="en-US" smtClean="0"/>
-              <a:t>2019/3/16</a:t>
+              <a:t>2019/7/23</a:t>
             </a:fld>
             <a:endParaRPr lang="zh-TW" altLang="en-US"/>
           </a:p>
@@ -1400,7 +1384,7 @@
           <a:lstStyle/>
           <a:p>
             <a:r>
-              <a:rPr lang="zh-TW" altLang="en-US" smtClean="0"/>
+              <a:rPr lang="zh-TW" altLang="en-US"/>
               <a:t>按一下以編輯母片標題樣式</a:t>
             </a:r>
             <a:endParaRPr lang="en-US" dirty="0"/>
@@ -1466,7 +1450,7 @@
           <a:p>
             <a:pPr lvl="0"/>
             <a:r>
-              <a:rPr lang="zh-TW" altLang="en-US" smtClean="0"/>
+              <a:rPr lang="zh-TW" altLang="en-US"/>
               <a:t>編輯母片文字樣式</a:t>
             </a:r>
           </a:p>
@@ -1494,35 +1478,35 @@
           <a:p>
             <a:pPr lvl="0"/>
             <a:r>
-              <a:rPr lang="zh-TW" altLang="en-US" smtClean="0"/>
+              <a:rPr lang="zh-TW" altLang="en-US"/>
               <a:t>編輯母片文字樣式</a:t>
             </a:r>
           </a:p>
           <a:p>
             <a:pPr lvl="1"/>
             <a:r>
-              <a:rPr lang="zh-TW" altLang="en-US" smtClean="0"/>
+              <a:rPr lang="zh-TW" altLang="en-US"/>
               <a:t>第二層</a:t>
             </a:r>
           </a:p>
           <a:p>
             <a:pPr lvl="2"/>
             <a:r>
-              <a:rPr lang="zh-TW" altLang="en-US" smtClean="0"/>
+              <a:rPr lang="zh-TW" altLang="en-US"/>
               <a:t>第三層</a:t>
             </a:r>
           </a:p>
           <a:p>
             <a:pPr lvl="3"/>
             <a:r>
-              <a:rPr lang="zh-TW" altLang="en-US" smtClean="0"/>
+              <a:rPr lang="zh-TW" altLang="en-US"/>
               <a:t>第四層</a:t>
             </a:r>
           </a:p>
           <a:p>
             <a:pPr lvl="4"/>
             <a:r>
-              <a:rPr lang="zh-TW" altLang="en-US" smtClean="0"/>
+              <a:rPr lang="zh-TW" altLang="en-US"/>
               <a:t>第五層</a:t>
             </a:r>
             <a:endParaRPr lang="en-US" dirty="0"/>
@@ -1588,7 +1572,7 @@
           <a:p>
             <a:pPr lvl="0"/>
             <a:r>
-              <a:rPr lang="zh-TW" altLang="en-US" smtClean="0"/>
+              <a:rPr lang="zh-TW" altLang="en-US"/>
               <a:t>編輯母片文字樣式</a:t>
             </a:r>
           </a:p>
@@ -1616,35 +1600,35 @@
           <a:p>
             <a:pPr lvl="0"/>
             <a:r>
-              <a:rPr lang="zh-TW" altLang="en-US" smtClean="0"/>
+              <a:rPr lang="zh-TW" altLang="en-US"/>
               <a:t>編輯母片文字樣式</a:t>
             </a:r>
           </a:p>
           <a:p>
             <a:pPr lvl="1"/>
             <a:r>
-              <a:rPr lang="zh-TW" altLang="en-US" smtClean="0"/>
+              <a:rPr lang="zh-TW" altLang="en-US"/>
               <a:t>第二層</a:t>
             </a:r>
           </a:p>
           <a:p>
             <a:pPr lvl="2"/>
             <a:r>
-              <a:rPr lang="zh-TW" altLang="en-US" smtClean="0"/>
+              <a:rPr lang="zh-TW" altLang="en-US"/>
               <a:t>第三層</a:t>
             </a:r>
           </a:p>
           <a:p>
             <a:pPr lvl="3"/>
             <a:r>
-              <a:rPr lang="zh-TW" altLang="en-US" smtClean="0"/>
+              <a:rPr lang="zh-TW" altLang="en-US"/>
               <a:t>第四層</a:t>
             </a:r>
           </a:p>
           <a:p>
             <a:pPr lvl="4"/>
             <a:r>
-              <a:rPr lang="zh-TW" altLang="en-US" smtClean="0"/>
+              <a:rPr lang="zh-TW" altLang="en-US"/>
               <a:t>第五層</a:t>
             </a:r>
             <a:endParaRPr lang="en-US" dirty="0"/>
@@ -1668,7 +1652,7 @@
           <a:p>
             <a:fld id="{D06915D0-C156-4E50-BB29-93FD4A7023AE}" type="datetimeFigureOut">
               <a:rPr lang="zh-TW" altLang="en-US" smtClean="0"/>
-              <a:t>2019/3/16</a:t>
+              <a:t>2019/7/23</a:t>
             </a:fld>
             <a:endParaRPr lang="zh-TW" altLang="en-US"/>
           </a:p>
@@ -1762,7 +1746,7 @@
           <a:lstStyle/>
           <a:p>
             <a:r>
-              <a:rPr lang="zh-TW" altLang="en-US" smtClean="0"/>
+              <a:rPr lang="zh-TW" altLang="en-US"/>
               <a:t>按一下以編輯母片標題樣式</a:t>
             </a:r>
             <a:endParaRPr lang="en-US" dirty="0"/>
@@ -1786,7 +1770,7 @@
           <a:p>
             <a:fld id="{D06915D0-C156-4E50-BB29-93FD4A7023AE}" type="datetimeFigureOut">
               <a:rPr lang="zh-TW" altLang="en-US" smtClean="0"/>
-              <a:t>2019/3/16</a:t>
+              <a:t>2019/7/23</a:t>
             </a:fld>
             <a:endParaRPr lang="zh-TW" altLang="en-US"/>
           </a:p>
@@ -1881,7 +1865,7 @@
           <a:p>
             <a:fld id="{D06915D0-C156-4E50-BB29-93FD4A7023AE}" type="datetimeFigureOut">
               <a:rPr lang="zh-TW" altLang="en-US" smtClean="0"/>
-              <a:t>2019/3/16</a:t>
+              <a:t>2019/7/23</a:t>
             </a:fld>
             <a:endParaRPr lang="zh-TW" altLang="en-US"/>
           </a:p>
@@ -1939,13 +1923,6 @@
   <p:clrMapOvr>
     <a:masterClrMapping/>
   </p:clrMapOvr>
-  <p:timing>
-    <p:tnLst>
-      <p:par>
-        <p:cTn id="1" dur="indefinite" restart="never" nodeType="tmRoot"/>
-      </p:par>
-    </p:tnLst>
-  </p:timing>
 </p:sldLayout>
 </file>
 
@@ -1991,7 +1968,7 @@
           </a:lstStyle>
           <a:p>
             <a:r>
-              <a:rPr lang="zh-TW" altLang="en-US" smtClean="0"/>
+              <a:rPr lang="zh-TW" altLang="en-US"/>
               <a:t>按一下以編輯母片標題樣式</a:t>
             </a:r>
             <a:endParaRPr lang="en-US" dirty="0"/>
@@ -2048,35 +2025,35 @@
           <a:p>
             <a:pPr lvl="0"/>
             <a:r>
-              <a:rPr lang="zh-TW" altLang="en-US" smtClean="0"/>
+              <a:rPr lang="zh-TW" altLang="en-US"/>
               <a:t>編輯母片文字樣式</a:t>
             </a:r>
           </a:p>
           <a:p>
             <a:pPr lvl="1"/>
             <a:r>
-              <a:rPr lang="zh-TW" altLang="en-US" smtClean="0"/>
+              <a:rPr lang="zh-TW" altLang="en-US"/>
               <a:t>第二層</a:t>
             </a:r>
           </a:p>
           <a:p>
             <a:pPr lvl="2"/>
             <a:r>
-              <a:rPr lang="zh-TW" altLang="en-US" smtClean="0"/>
+              <a:rPr lang="zh-TW" altLang="en-US"/>
               <a:t>第三層</a:t>
             </a:r>
           </a:p>
           <a:p>
             <a:pPr lvl="3"/>
             <a:r>
-              <a:rPr lang="zh-TW" altLang="en-US" smtClean="0"/>
+              <a:rPr lang="zh-TW" altLang="en-US"/>
               <a:t>第四層</a:t>
             </a:r>
           </a:p>
           <a:p>
             <a:pPr lvl="4"/>
             <a:r>
-              <a:rPr lang="zh-TW" altLang="en-US" smtClean="0"/>
+              <a:rPr lang="zh-TW" altLang="en-US"/>
               <a:t>第五層</a:t>
             </a:r>
             <a:endParaRPr lang="en-US" dirty="0"/>
@@ -2142,7 +2119,7 @@
           <a:p>
             <a:pPr lvl="0"/>
             <a:r>
-              <a:rPr lang="zh-TW" altLang="en-US" smtClean="0"/>
+              <a:rPr lang="zh-TW" altLang="en-US"/>
               <a:t>編輯母片文字樣式</a:t>
             </a:r>
           </a:p>
@@ -2165,7 +2142,7 @@
           <a:p>
             <a:fld id="{D06915D0-C156-4E50-BB29-93FD4A7023AE}" type="datetimeFigureOut">
               <a:rPr lang="zh-TW" altLang="en-US" smtClean="0"/>
-              <a:t>2019/3/16</a:t>
+              <a:t>2019/7/23</a:t>
             </a:fld>
             <a:endParaRPr lang="zh-TW" altLang="en-US"/>
           </a:p>
@@ -2268,7 +2245,7 @@
           </a:lstStyle>
           <a:p>
             <a:r>
-              <a:rPr lang="zh-TW" altLang="en-US" smtClean="0"/>
+              <a:rPr lang="zh-TW" altLang="en-US"/>
               <a:t>按一下以編輯母片標題樣式</a:t>
             </a:r>
             <a:endParaRPr lang="en-US" dirty="0"/>
@@ -2333,7 +2310,7 @@
           </a:lstStyle>
           <a:p>
             <a:r>
-              <a:rPr lang="zh-TW" altLang="en-US" smtClean="0"/>
+              <a:rPr lang="zh-TW" altLang="en-US"/>
               <a:t>按一下圖示以新增圖片</a:t>
             </a:r>
             <a:endParaRPr lang="en-US" dirty="0"/>
@@ -2399,7 +2376,7 @@
           <a:p>
             <a:pPr lvl="0"/>
             <a:r>
-              <a:rPr lang="zh-TW" altLang="en-US" smtClean="0"/>
+              <a:rPr lang="zh-TW" altLang="en-US"/>
               <a:t>編輯母片文字樣式</a:t>
             </a:r>
           </a:p>
@@ -2422,7 +2399,7 @@
           <a:p>
             <a:fld id="{D06915D0-C156-4E50-BB29-93FD4A7023AE}" type="datetimeFigureOut">
               <a:rPr lang="zh-TW" altLang="en-US" smtClean="0"/>
-              <a:t>2019/3/16</a:t>
+              <a:t>2019/7/23</a:t>
             </a:fld>
             <a:endParaRPr lang="zh-TW" altLang="en-US"/>
           </a:p>
@@ -2531,7 +2508,7 @@
           <a:lstStyle/>
           <a:p>
             <a:r>
-              <a:rPr lang="zh-TW" altLang="en-US" smtClean="0"/>
+              <a:rPr lang="zh-TW" altLang="en-US"/>
               <a:t>按一下以編輯母片標題樣式</a:t>
             </a:r>
             <a:endParaRPr lang="en-US" dirty="0"/>
@@ -2565,35 +2542,35 @@
           <a:p>
             <a:pPr lvl="0"/>
             <a:r>
-              <a:rPr lang="zh-TW" altLang="en-US" smtClean="0"/>
+              <a:rPr lang="zh-TW" altLang="en-US"/>
               <a:t>編輯母片文字樣式</a:t>
             </a:r>
           </a:p>
           <a:p>
             <a:pPr lvl="1"/>
             <a:r>
-              <a:rPr lang="zh-TW" altLang="en-US" smtClean="0"/>
+              <a:rPr lang="zh-TW" altLang="en-US"/>
               <a:t>第二層</a:t>
             </a:r>
           </a:p>
           <a:p>
             <a:pPr lvl="2"/>
             <a:r>
-              <a:rPr lang="zh-TW" altLang="en-US" smtClean="0"/>
+              <a:rPr lang="zh-TW" altLang="en-US"/>
               <a:t>第三層</a:t>
             </a:r>
           </a:p>
           <a:p>
             <a:pPr lvl="3"/>
             <a:r>
-              <a:rPr lang="zh-TW" altLang="en-US" smtClean="0"/>
+              <a:rPr lang="zh-TW" altLang="en-US"/>
               <a:t>第四層</a:t>
             </a:r>
           </a:p>
           <a:p>
             <a:pPr lvl="4"/>
             <a:r>
-              <a:rPr lang="zh-TW" altLang="en-US" smtClean="0"/>
+              <a:rPr lang="zh-TW" altLang="en-US"/>
               <a:t>第五層</a:t>
             </a:r>
             <a:endParaRPr lang="en-US" dirty="0"/>
@@ -2635,7 +2612,7 @@
           <a:p>
             <a:fld id="{D06915D0-C156-4E50-BB29-93FD4A7023AE}" type="datetimeFigureOut">
               <a:rPr lang="zh-TW" altLang="en-US" smtClean="0"/>
-              <a:t>2019/3/16</a:t>
+              <a:t>2019/7/23</a:t>
             </a:fld>
             <a:endParaRPr lang="zh-TW" altLang="en-US"/>
           </a:p>
@@ -2740,13 +2717,6 @@
     <p:sldLayoutId id="2147483670" r:id="rId10"/>
     <p:sldLayoutId id="2147483671" r:id="rId11"/>
   </p:sldLayoutIdLst>
-  <p:timing>
-    <p:tnLst>
-      <p:par>
-        <p:cTn id="1" dur="indefinite" restart="never" nodeType="tmRoot"/>
-      </p:par>
-    </p:tnLst>
-  </p:timing>
   <p:txStyles>
     <p:titleStyle>
       <a:lvl1pPr algn="l" defTabSz="914400" rtl="0" eaLnBrk="1" latinLnBrk="0" hangingPunct="1">
@@ -3065,8 +3035,12 @@
           <a:lstStyle/>
           <a:p>
             <a:r>
+              <a:rPr lang="en-US" altLang="zh-TW" sz="5400"/>
+              <a:t>Chapter 1 </a:t>
+            </a:r>
+            <a:r>
               <a:rPr lang="en-US" altLang="zh-TW" sz="5400" dirty="0"/>
-              <a:t>Chapter 1 Basic Concepts</a:t>
+              <a:t>Basic Concepts</a:t>
             </a:r>
             <a:endParaRPr lang="zh-TW" altLang="en-US" sz="5400" dirty="0"/>
           </a:p>
@@ -3101,13 +3075,6 @@
   <p:clrMapOvr>
     <a:masterClrMapping/>
   </p:clrMapOvr>
-  <p:timing>
-    <p:tnLst>
-      <p:par>
-        <p:cTn id="1" dur="indefinite" restart="never" nodeType="tmRoot"/>
-      </p:par>
-    </p:tnLst>
-  </p:timing>
 </p:sld>
 </file>
 
@@ -3144,7 +3111,7 @@
           <a:lstStyle/>
           <a:p>
             <a:r>
-              <a:rPr lang="en-US" altLang="zh-TW" dirty="0" smtClean="0"/>
+              <a:rPr lang="en-US" altLang="zh-TW" dirty="0"/>
               <a:t>Outline</a:t>
             </a:r>
             <a:endParaRPr lang="zh-TW" altLang="en-US" dirty="0"/>
@@ -3180,13 +3147,6 @@
   <p:clrMapOvr>
     <a:masterClrMapping/>
   </p:clrMapOvr>
-  <p:timing>
-    <p:tnLst>
-      <p:par>
-        <p:cTn id="1" dur="indefinite" restart="never" nodeType="tmRoot"/>
-      </p:par>
-    </p:tnLst>
-  </p:timing>
 </p:sld>
 </file>
 
@@ -3255,13 +3215,6 @@
   <p:clrMapOvr>
     <a:masterClrMapping/>
   </p:clrMapOvr>
-  <p:timing>
-    <p:tnLst>
-      <p:par>
-        <p:cTn id="1" dur="indefinite" restart="never" nodeType="tmRoot"/>
-      </p:par>
-    </p:tnLst>
-  </p:timing>
 </p:sld>
 </file>
 
